--- a/documentazione/Segnali Stradali.pptx
+++ b/documentazione/Segnali Stradali.pptx
@@ -313,7 +313,7 @@
           <a:p>
             <a:fld id="{D3007E90-0CF4-4B56-9D2F-9833898221B1}" type="datetimeFigureOut">
               <a:rPr lang="it-IT" smtClean="0"/>
-              <a:t>17/10/2022</a:t>
+              <a:t>02/11/2022</a:t>
             </a:fld>
             <a:endParaRPr lang="it-IT"/>
           </a:p>
@@ -651,7 +651,7 @@
           <a:p>
             <a:fld id="{D3007E90-0CF4-4B56-9D2F-9833898221B1}" type="datetimeFigureOut">
               <a:rPr lang="it-IT" smtClean="0"/>
-              <a:t>17/10/2022</a:t>
+              <a:t>02/11/2022</a:t>
             </a:fld>
             <a:endParaRPr lang="it-IT"/>
           </a:p>
@@ -1052,7 +1052,7 @@
           <a:p>
             <a:fld id="{D3007E90-0CF4-4B56-9D2F-9833898221B1}" type="datetimeFigureOut">
               <a:rPr lang="it-IT" smtClean="0"/>
-              <a:t>17/10/2022</a:t>
+              <a:t>02/11/2022</a:t>
             </a:fld>
             <a:endParaRPr lang="it-IT"/>
           </a:p>
@@ -1388,7 +1388,7 @@
           <a:p>
             <a:fld id="{D3007E90-0CF4-4B56-9D2F-9833898221B1}" type="datetimeFigureOut">
               <a:rPr lang="it-IT" smtClean="0"/>
-              <a:t>17/10/2022</a:t>
+              <a:t>02/11/2022</a:t>
             </a:fld>
             <a:endParaRPr lang="it-IT"/>
           </a:p>
@@ -1708,7 +1708,7 @@
           <a:p>
             <a:fld id="{D3007E90-0CF4-4B56-9D2F-9833898221B1}" type="datetimeFigureOut">
               <a:rPr lang="it-IT" smtClean="0"/>
-              <a:t>17/10/2022</a:t>
+              <a:t>02/11/2022</a:t>
             </a:fld>
             <a:endParaRPr lang="it-IT"/>
           </a:p>
@@ -2104,7 +2104,7 @@
           <a:p>
             <a:fld id="{D3007E90-0CF4-4B56-9D2F-9833898221B1}" type="datetimeFigureOut">
               <a:rPr lang="it-IT" smtClean="0"/>
-              <a:t>17/10/2022</a:t>
+              <a:t>02/11/2022</a:t>
             </a:fld>
             <a:endParaRPr lang="it-IT"/>
           </a:p>
@@ -2361,7 +2361,7 @@
           <a:p>
             <a:fld id="{D3007E90-0CF4-4B56-9D2F-9833898221B1}" type="datetimeFigureOut">
               <a:rPr lang="it-IT" smtClean="0"/>
-              <a:t>17/10/2022</a:t>
+              <a:t>02/11/2022</a:t>
             </a:fld>
             <a:endParaRPr lang="it-IT"/>
           </a:p>
@@ -2623,7 +2623,7 @@
           <a:p>
             <a:fld id="{D3007E90-0CF4-4B56-9D2F-9833898221B1}" type="datetimeFigureOut">
               <a:rPr lang="it-IT" smtClean="0"/>
-              <a:t>17/10/2022</a:t>
+              <a:t>02/11/2022</a:t>
             </a:fld>
             <a:endParaRPr lang="it-IT"/>
           </a:p>
@@ -2885,7 +2885,7 @@
           <a:p>
             <a:fld id="{D3007E90-0CF4-4B56-9D2F-9833898221B1}" type="datetimeFigureOut">
               <a:rPr lang="it-IT" smtClean="0"/>
-              <a:t>17/10/2022</a:t>
+              <a:t>02/11/2022</a:t>
             </a:fld>
             <a:endParaRPr lang="it-IT"/>
           </a:p>
@@ -3214,7 +3214,7 @@
           <a:p>
             <a:fld id="{D3007E90-0CF4-4B56-9D2F-9833898221B1}" type="datetimeFigureOut">
               <a:rPr lang="it-IT" smtClean="0"/>
-              <a:t>17/10/2022</a:t>
+              <a:t>02/11/2022</a:t>
             </a:fld>
             <a:endParaRPr lang="it-IT"/>
           </a:p>
@@ -3537,7 +3537,7 @@
           <a:p>
             <a:fld id="{D3007E90-0CF4-4B56-9D2F-9833898221B1}" type="datetimeFigureOut">
               <a:rPr lang="it-IT" smtClean="0"/>
-              <a:t>17/10/2022</a:t>
+              <a:t>02/11/2022</a:t>
             </a:fld>
             <a:endParaRPr lang="it-IT"/>
           </a:p>
@@ -3994,7 +3994,7 @@
           <a:p>
             <a:fld id="{D3007E90-0CF4-4B56-9D2F-9833898221B1}" type="datetimeFigureOut">
               <a:rPr lang="it-IT" smtClean="0"/>
-              <a:t>17/10/2022</a:t>
+              <a:t>02/11/2022</a:t>
             </a:fld>
             <a:endParaRPr lang="it-IT"/>
           </a:p>
@@ -4199,7 +4199,7 @@
           <a:p>
             <a:fld id="{D3007E90-0CF4-4B56-9D2F-9833898221B1}" type="datetimeFigureOut">
               <a:rPr lang="it-IT" smtClean="0"/>
-              <a:t>17/10/2022</a:t>
+              <a:t>02/11/2022</a:t>
             </a:fld>
             <a:endParaRPr lang="it-IT"/>
           </a:p>
@@ -4376,7 +4376,7 @@
           <a:p>
             <a:fld id="{D3007E90-0CF4-4B56-9D2F-9833898221B1}" type="datetimeFigureOut">
               <a:rPr lang="it-IT" smtClean="0"/>
-              <a:t>17/10/2022</a:t>
+              <a:t>02/11/2022</a:t>
             </a:fld>
             <a:endParaRPr lang="it-IT"/>
           </a:p>
@@ -4709,7 +4709,7 @@
           <a:p>
             <a:fld id="{D3007E90-0CF4-4B56-9D2F-9833898221B1}" type="datetimeFigureOut">
               <a:rPr lang="it-IT" smtClean="0"/>
-              <a:t>17/10/2022</a:t>
+              <a:t>02/11/2022</a:t>
             </a:fld>
             <a:endParaRPr lang="it-IT"/>
           </a:p>
@@ -5054,7 +5054,7 @@
           <a:p>
             <a:fld id="{D3007E90-0CF4-4B56-9D2F-9833898221B1}" type="datetimeFigureOut">
               <a:rPr lang="it-IT" smtClean="0"/>
-              <a:t>17/10/2022</a:t>
+              <a:t>02/11/2022</a:t>
             </a:fld>
             <a:endParaRPr lang="it-IT"/>
           </a:p>
@@ -7171,7 +7171,7 @@
           <a:p>
             <a:fld id="{D3007E90-0CF4-4B56-9D2F-9833898221B1}" type="datetimeFigureOut">
               <a:rPr lang="it-IT" smtClean="0"/>
-              <a:t>17/10/2022</a:t>
+              <a:t>02/11/2022</a:t>
             </a:fld>
             <a:endParaRPr lang="it-IT"/>
           </a:p>
@@ -9094,7 +9094,7 @@
         </p:nvSpPr>
         <p:spPr>
           <a:xfrm>
-            <a:off x="645546" y="1678097"/>
+            <a:off x="260473" y="2282710"/>
             <a:ext cx="3908453" cy="1477328"/>
           </a:xfrm>
           <a:prstGeom prst="rect">
@@ -9146,31 +9146,18 @@
               <a:buChar char="•"/>
             </a:pPr>
             <a:r>
-              <a:rPr lang="it-IT" i="0" strike="noStrike" dirty="0" err="1">
-                <a:effectLst/>
-                <a:latin typeface="-apple-system"/>
-                <a:hlinkClick r:id="rId3" tooltip="View all commits by marcolongo00"/>
-              </a:rPr>
+              <a:rPr lang="it-IT" dirty="0" err="1"/>
               <a:t>Github</a:t>
+            </a:r>
+            <a:r>
+              <a:rPr lang="it-IT" dirty="0"/>
+              <a:t>: </a:t>
             </a:r>
             <a:r>
               <a:rPr lang="it-IT" i="0" strike="noStrike" dirty="0">
                 <a:effectLst/>
                 <a:latin typeface="-apple-system"/>
-                <a:hlinkClick r:id="rId3" tooltip="View all commits by marcolongo00"/>
-              </a:rPr>
-              <a:t>:</a:t>
-            </a:r>
-            <a:r>
-              <a:rPr lang="it-IT" dirty="0">
-                <a:latin typeface="-apple-system"/>
-              </a:rPr>
-              <a:t> </a:t>
-            </a:r>
-            <a:r>
-              <a:rPr lang="it-IT" i="0" strike="noStrike" dirty="0">
-                <a:effectLst/>
-                <a:latin typeface="-apple-system"/>
+                <a:hlinkClick r:id="rId3"/>
               </a:rPr>
               <a:t>https://github.com/marcolongo00</a:t>
             </a:r>
@@ -9192,7 +9179,7 @@
         </p:nvSpPr>
         <p:spPr>
           <a:xfrm>
-            <a:off x="4202409" y="3149498"/>
+            <a:off x="4168926" y="2256577"/>
             <a:ext cx="3633324" cy="1477328"/>
           </a:xfrm>
           <a:prstGeom prst="rect">
@@ -9249,8 +9236,15 @@
             </a:r>
             <a:r>
               <a:rPr lang="it-IT" dirty="0"/>
-              <a:t>: https://github.com/rikon311</a:t>
-            </a:r>
+              <a:t>: </a:t>
+            </a:r>
+            <a:r>
+              <a:rPr lang="it-IT" dirty="0">
+                <a:hlinkClick r:id="rId5"/>
+              </a:rPr>
+              <a:t>https://github.com/rikon311</a:t>
+            </a:r>
+            <a:endParaRPr lang="it-IT" dirty="0"/>
           </a:p>
         </p:txBody>
       </p:sp>
@@ -9268,8 +9262,8 @@
         </p:nvSpPr>
         <p:spPr>
           <a:xfrm>
-            <a:off x="7835733" y="4626826"/>
-            <a:ext cx="3762797" cy="1754326"/>
+            <a:off x="8077379" y="2241053"/>
+            <a:ext cx="3908453" cy="1754326"/>
           </a:xfrm>
           <a:prstGeom prst="rect">
             <a:avLst/>
@@ -9308,7 +9302,7 @@
             </a:pPr>
             <a:r>
               <a:rPr lang="it-IT" dirty="0">
-                <a:hlinkClick r:id="rId5"/>
+                <a:hlinkClick r:id="rId6"/>
               </a:rPr>
               <a:t>a.lamberti72@studenti.unisa.it</a:t>
             </a:r>
@@ -9325,8 +9319,69 @@
             </a:r>
             <a:r>
               <a:rPr lang="it-IT" dirty="0"/>
-              <a:t>: https://github.com/AntonioLamberti</a:t>
-            </a:r>
+              <a:t>: </a:t>
+            </a:r>
+            <a:r>
+              <a:rPr lang="it-IT" dirty="0">
+                <a:hlinkClick r:id="rId7"/>
+              </a:rPr>
+              <a:t>https://github.com/AntonioLamberti</a:t>
+            </a:r>
+            <a:endParaRPr lang="it-IT" dirty="0"/>
+          </a:p>
+        </p:txBody>
+      </p:sp>
+      <p:sp>
+        <p:nvSpPr>
+          <p:cNvPr id="3" name="CasellaDiTesto 2">
+            <a:extLst>
+              <a:ext uri="{FF2B5EF4-FFF2-40B4-BE49-F238E27FC236}">
+                <a16:creationId xmlns:a16="http://schemas.microsoft.com/office/drawing/2014/main" id="{E07D3B57-9080-3EE6-7570-50A2CD3A4BD9}"/>
+              </a:ext>
+            </a:extLst>
+          </p:cNvPr>
+          <p:cNvSpPr txBox="1"/>
+          <p:nvPr/>
+        </p:nvSpPr>
+        <p:spPr>
+          <a:xfrm>
+            <a:off x="2006082" y="4607645"/>
+            <a:ext cx="7959012" cy="369332"/>
+          </a:xfrm>
+          <a:prstGeom prst="rect">
+            <a:avLst/>
+          </a:prstGeom>
+          <a:noFill/>
+        </p:spPr>
+        <p:txBody>
+          <a:bodyPr wrap="square" rtlCol="0">
+            <a:spAutoFit/>
+          </a:bodyPr>
+          <a:lstStyle/>
+          <a:p>
+            <a:pPr marL="285750" indent="-285750">
+              <a:buFont typeface="Arial" panose="020B0604020202020204" pitchFamily="34" charset="0"/>
+              <a:buChar char="•"/>
+            </a:pPr>
+            <a:r>
+              <a:rPr lang="it-IT" dirty="0"/>
+              <a:t>Link </a:t>
+            </a:r>
+            <a:r>
+              <a:rPr lang="it-IT" dirty="0" err="1"/>
+              <a:t>Github</a:t>
+            </a:r>
+            <a:r>
+              <a:rPr lang="it-IT" dirty="0"/>
+              <a:t>: </a:t>
+            </a:r>
+            <a:r>
+              <a:rPr lang="it-IT" dirty="0">
+                <a:hlinkClick r:id="rId8"/>
+              </a:rPr>
+              <a:t>https://github.com/marcolongo00/Segnali-Stradali </a:t>
+            </a:r>
+            <a:endParaRPr lang="it-IT" dirty="0"/>
           </a:p>
         </p:txBody>
       </p:sp>

--- a/documentazione/Segnali Stradali.pptx
+++ b/documentazione/Segnali Stradali.pptx
@@ -9459,10 +9459,15 @@
             <p:ph idx="1"/>
           </p:nvPr>
         </p:nvSpPr>
-        <p:spPr/>
+        <p:spPr>
+          <a:xfrm>
+            <a:off x="1847850" y="1451459"/>
+            <a:ext cx="8915400" cy="5089300"/>
+          </a:xfrm>
+        </p:spPr>
         <p:txBody>
           <a:bodyPr>
-            <a:normAutofit/>
+            <a:normAutofit fontScale="85000" lnSpcReduction="20000"/>
           </a:bodyPr>
           <a:lstStyle/>
           <a:p>
@@ -9492,6 +9497,35 @@
             <a:r>
               <a:rPr lang="it-IT" sz="3000" dirty="0"/>
               <a:t>Visual Studio Code</a:t>
+            </a:r>
+          </a:p>
+          <a:p>
+            <a:endParaRPr lang="it-IT" sz="3000" dirty="0"/>
+          </a:p>
+          <a:p>
+            <a:r>
+              <a:rPr lang="it-IT" sz="3000" dirty="0" err="1"/>
+              <a:t>Pandas</a:t>
+            </a:r>
+            <a:endParaRPr lang="it-IT" sz="3000" dirty="0"/>
+          </a:p>
+          <a:p>
+            <a:endParaRPr lang="it-IT" sz="3000" dirty="0"/>
+          </a:p>
+          <a:p>
+            <a:r>
+              <a:rPr lang="it-IT" sz="3000" dirty="0" err="1"/>
+              <a:t>Numpy</a:t>
+            </a:r>
+            <a:endParaRPr lang="it-IT" sz="3000" dirty="0"/>
+          </a:p>
+          <a:p>
+            <a:endParaRPr lang="it-IT" sz="3000" dirty="0"/>
+          </a:p>
+          <a:p>
+            <a:r>
+              <a:rPr lang="it-IT" sz="3000" dirty="0"/>
+              <a:t>Python</a:t>
             </a:r>
           </a:p>
         </p:txBody>
@@ -9524,8 +9558,8 @@
         </p:blipFill>
         <p:spPr>
           <a:xfrm>
-            <a:off x="9299144" y="3087929"/>
-            <a:ext cx="1045006" cy="1045006"/>
+            <a:off x="7853885" y="2129505"/>
+            <a:ext cx="678087" cy="678087"/>
           </a:xfrm>
           <a:prstGeom prst="rect">
             <a:avLst/>
@@ -9560,8 +9594,8 @@
         </p:blipFill>
         <p:spPr>
           <a:xfrm>
-            <a:off x="9344613" y="1881376"/>
-            <a:ext cx="999537" cy="1068629"/>
+            <a:off x="7897728" y="1284772"/>
+            <a:ext cx="634245" cy="678087"/>
           </a:xfrm>
           <a:prstGeom prst="rect">
             <a:avLst/>
@@ -9596,8 +9630,116 @@
         </p:blipFill>
         <p:spPr>
           <a:xfrm>
-            <a:off x="9299144" y="4361535"/>
-            <a:ext cx="1045006" cy="1045006"/>
+            <a:off x="7853886" y="3089956"/>
+            <a:ext cx="678087" cy="678087"/>
+          </a:xfrm>
+          <a:prstGeom prst="rect">
+            <a:avLst/>
+          </a:prstGeom>
+        </p:spPr>
+      </p:pic>
+      <p:pic>
+        <p:nvPicPr>
+          <p:cNvPr id="7" name="Immagine 6">
+            <a:extLst>
+              <a:ext uri="{FF2B5EF4-FFF2-40B4-BE49-F238E27FC236}">
+                <a16:creationId xmlns:a16="http://schemas.microsoft.com/office/drawing/2014/main" id="{25E9D1C6-AE14-9180-F8A1-F9BF6FF3C937}"/>
+              </a:ext>
+            </a:extLst>
+          </p:cNvPr>
+          <p:cNvPicPr>
+            <a:picLocks noChangeAspect="1"/>
+          </p:cNvPicPr>
+          <p:nvPr/>
+        </p:nvPicPr>
+        <p:blipFill>
+          <a:blip r:embed="rId5">
+            <a:extLst>
+              <a:ext uri="{28A0092B-C50C-407E-A947-70E740481C1C}">
+                <a14:useLocalDpi xmlns:a14="http://schemas.microsoft.com/office/drawing/2010/main" val="0"/>
+              </a:ext>
+            </a:extLst>
+          </a:blip>
+          <a:stretch>
+            <a:fillRect/>
+          </a:stretch>
+        </p:blipFill>
+        <p:spPr>
+          <a:xfrm>
+            <a:off x="7242709" y="3934689"/>
+            <a:ext cx="1944282" cy="785814"/>
+          </a:xfrm>
+          <a:prstGeom prst="rect">
+            <a:avLst/>
+          </a:prstGeom>
+        </p:spPr>
+      </p:pic>
+      <p:pic>
+        <p:nvPicPr>
+          <p:cNvPr id="10" name="Immagine 9">
+            <a:extLst>
+              <a:ext uri="{FF2B5EF4-FFF2-40B4-BE49-F238E27FC236}">
+                <a16:creationId xmlns:a16="http://schemas.microsoft.com/office/drawing/2014/main" id="{AA2B2582-C1E9-7451-1A75-79200260D5FC}"/>
+              </a:ext>
+            </a:extLst>
+          </p:cNvPr>
+          <p:cNvPicPr>
+            <a:picLocks noChangeAspect="1"/>
+          </p:cNvPicPr>
+          <p:nvPr/>
+        </p:nvPicPr>
+        <p:blipFill>
+          <a:blip r:embed="rId6">
+            <a:extLst>
+              <a:ext uri="{28A0092B-C50C-407E-A947-70E740481C1C}">
+                <a14:useLocalDpi xmlns:a14="http://schemas.microsoft.com/office/drawing/2010/main" val="0"/>
+              </a:ext>
+            </a:extLst>
+          </a:blip>
+          <a:stretch>
+            <a:fillRect/>
+          </a:stretch>
+        </p:blipFill>
+        <p:spPr>
+          <a:xfrm>
+            <a:off x="7048768" y="4595392"/>
+            <a:ext cx="2427514" cy="1092381"/>
+          </a:xfrm>
+          <a:prstGeom prst="rect">
+            <a:avLst/>
+          </a:prstGeom>
+        </p:spPr>
+      </p:pic>
+      <p:pic>
+        <p:nvPicPr>
+          <p:cNvPr id="12" name="Immagine 11">
+            <a:extLst>
+              <a:ext uri="{FF2B5EF4-FFF2-40B4-BE49-F238E27FC236}">
+                <a16:creationId xmlns:a16="http://schemas.microsoft.com/office/drawing/2014/main" id="{5E21C0A2-2831-1230-9273-16624E936580}"/>
+              </a:ext>
+            </a:extLst>
+          </p:cNvPr>
+          <p:cNvPicPr>
+            <a:picLocks noChangeAspect="1"/>
+          </p:cNvPicPr>
+          <p:nvPr/>
+        </p:nvPicPr>
+        <p:blipFill>
+          <a:blip r:embed="rId7">
+            <a:extLst>
+              <a:ext uri="{28A0092B-C50C-407E-A947-70E740481C1C}">
+                <a14:useLocalDpi xmlns:a14="http://schemas.microsoft.com/office/drawing/2010/main" val="0"/>
+              </a:ext>
+            </a:extLst>
+          </a:blip>
+          <a:stretch>
+            <a:fillRect/>
+          </a:stretch>
+        </p:blipFill>
+        <p:spPr>
+          <a:xfrm>
+            <a:off x="7802530" y="5654272"/>
+            <a:ext cx="919989" cy="919989"/>
           </a:xfrm>
           <a:prstGeom prst="rect">
             <a:avLst/>
